--- a/2016_10_20/20161018_JournalClub.pptx
+++ b/2016_10_20/20161018_JournalClub.pptx
@@ -221,7 +221,7 @@
           <a:p>
             <a:fld id="{1EC19FFE-FD56-4BAA-B94E-BFA4D19FAD54}" type="datetimeFigureOut">
               <a:rPr lang="en-CA" smtClean="0"/>
-              <a:t>2016-10-19</a:t>
+              <a:t>2016-10-20</a:t>
             </a:fld>
             <a:endParaRPr lang="en-CA"/>
           </a:p>
@@ -1212,7 +1212,7 @@
           <a:p>
             <a:fld id="{1BF8A340-8EB6-4EF5-B3AE-0860AB8AC1BE}" type="datetimeFigureOut">
               <a:rPr lang="en-CA" smtClean="0"/>
-              <a:t>2016-10-19</a:t>
+              <a:t>2016-10-20</a:t>
             </a:fld>
             <a:endParaRPr lang="en-CA"/>
           </a:p>
@@ -1382,7 +1382,7 @@
           <a:p>
             <a:fld id="{1BF8A340-8EB6-4EF5-B3AE-0860AB8AC1BE}" type="datetimeFigureOut">
               <a:rPr lang="en-CA" smtClean="0"/>
-              <a:t>2016-10-19</a:t>
+              <a:t>2016-10-20</a:t>
             </a:fld>
             <a:endParaRPr lang="en-CA"/>
           </a:p>
@@ -1562,7 +1562,7 @@
           <a:p>
             <a:fld id="{1BF8A340-8EB6-4EF5-B3AE-0860AB8AC1BE}" type="datetimeFigureOut">
               <a:rPr lang="en-CA" smtClean="0"/>
-              <a:t>2016-10-19</a:t>
+              <a:t>2016-10-20</a:t>
             </a:fld>
             <a:endParaRPr lang="en-CA"/>
           </a:p>
@@ -1732,7 +1732,7 @@
           <a:p>
             <a:fld id="{1BF8A340-8EB6-4EF5-B3AE-0860AB8AC1BE}" type="datetimeFigureOut">
               <a:rPr lang="en-CA" smtClean="0"/>
-              <a:t>2016-10-19</a:t>
+              <a:t>2016-10-20</a:t>
             </a:fld>
             <a:endParaRPr lang="en-CA"/>
           </a:p>
@@ -1978,7 +1978,7 @@
           <a:p>
             <a:fld id="{1BF8A340-8EB6-4EF5-B3AE-0860AB8AC1BE}" type="datetimeFigureOut">
               <a:rPr lang="en-CA" smtClean="0"/>
-              <a:t>2016-10-19</a:t>
+              <a:t>2016-10-20</a:t>
             </a:fld>
             <a:endParaRPr lang="en-CA"/>
           </a:p>
@@ -2210,7 +2210,7 @@
           <a:p>
             <a:fld id="{1BF8A340-8EB6-4EF5-B3AE-0860AB8AC1BE}" type="datetimeFigureOut">
               <a:rPr lang="en-CA" smtClean="0"/>
-              <a:t>2016-10-19</a:t>
+              <a:t>2016-10-20</a:t>
             </a:fld>
             <a:endParaRPr lang="en-CA"/>
           </a:p>
@@ -2577,7 +2577,7 @@
           <a:p>
             <a:fld id="{1BF8A340-8EB6-4EF5-B3AE-0860AB8AC1BE}" type="datetimeFigureOut">
               <a:rPr lang="en-CA" smtClean="0"/>
-              <a:t>2016-10-19</a:t>
+              <a:t>2016-10-20</a:t>
             </a:fld>
             <a:endParaRPr lang="en-CA"/>
           </a:p>
@@ -2695,7 +2695,7 @@
           <a:p>
             <a:fld id="{1BF8A340-8EB6-4EF5-B3AE-0860AB8AC1BE}" type="datetimeFigureOut">
               <a:rPr lang="en-CA" smtClean="0"/>
-              <a:t>2016-10-19</a:t>
+              <a:t>2016-10-20</a:t>
             </a:fld>
             <a:endParaRPr lang="en-CA"/>
           </a:p>
@@ -2790,7 +2790,7 @@
           <a:p>
             <a:fld id="{1BF8A340-8EB6-4EF5-B3AE-0860AB8AC1BE}" type="datetimeFigureOut">
               <a:rPr lang="en-CA" smtClean="0"/>
-              <a:t>2016-10-19</a:t>
+              <a:t>2016-10-20</a:t>
             </a:fld>
             <a:endParaRPr lang="en-CA"/>
           </a:p>
@@ -3067,7 +3067,7 @@
           <a:p>
             <a:fld id="{1BF8A340-8EB6-4EF5-B3AE-0860AB8AC1BE}" type="datetimeFigureOut">
               <a:rPr lang="en-CA" smtClean="0"/>
-              <a:t>2016-10-19</a:t>
+              <a:t>2016-10-20</a:t>
             </a:fld>
             <a:endParaRPr lang="en-CA"/>
           </a:p>
@@ -3320,7 +3320,7 @@
           <a:p>
             <a:fld id="{1BF8A340-8EB6-4EF5-B3AE-0860AB8AC1BE}" type="datetimeFigureOut">
               <a:rPr lang="en-CA" smtClean="0"/>
-              <a:t>2016-10-19</a:t>
+              <a:t>2016-10-20</a:t>
             </a:fld>
             <a:endParaRPr lang="en-CA"/>
           </a:p>
@@ -3533,7 +3533,7 @@
           <a:p>
             <a:fld id="{1BF8A340-8EB6-4EF5-B3AE-0860AB8AC1BE}" type="datetimeFigureOut">
               <a:rPr lang="en-CA" smtClean="0"/>
-              <a:t>2016-10-19</a:t>
+              <a:t>2016-10-20</a:t>
             </a:fld>
             <a:endParaRPr lang="en-CA"/>
           </a:p>
@@ -4717,6 +4717,60 @@
                                   </p:childTnLst>
                                 </p:cTn>
                               </p:par>
+                              <p:par>
+                                <p:cTn id="42" presetID="3" presetClass="emph" presetSubtype="2" fill="hold" nodeType="withEffect">
+                                  <p:stCondLst>
+                                    <p:cond delay="0"/>
+                                  </p:stCondLst>
+                                  <p:childTnLst>
+                                    <p:animClr clrSpc="rgb" dir="cw">
+                                      <p:cBhvr override="childStyle">
+                                        <p:cTn id="43" dur="2000" fill="hold"/>
+                                        <p:tgtEl>
+                                          <p:spTgt spid="9">
+                                            <p:txEl>
+                                              <p:pRg st="1" end="1"/>
+                                            </p:txEl>
+                                          </p:spTgt>
+                                        </p:tgtEl>
+                                        <p:attrNameLst>
+                                          <p:attrName>style.color</p:attrName>
+                                        </p:attrNameLst>
+                                      </p:cBhvr>
+                                      <p:to>
+                                        <a:srgbClr val="8C8888"/>
+                                      </p:to>
+                                    </p:animClr>
+                                  </p:childTnLst>
+                                </p:cTn>
+                              </p:par>
+                              <p:par>
+                                <p:cTn id="44" presetID="3" presetClass="emph" presetSubtype="2" fill="hold" nodeType="withEffect">
+                                  <p:stCondLst>
+                                    <p:cond delay="0"/>
+                                  </p:stCondLst>
+                                  <p:childTnLst>
+                                    <p:animClr clrSpc="rgb" dir="cw">
+                                      <p:cBhvr override="childStyle">
+                                        <p:cTn id="45" dur="2000" fill="hold"/>
+                                        <p:tgtEl>
+                                          <p:spTgt spid="9">
+                                            <p:txEl>
+                                              <p:pRg st="2" end="2"/>
+                                            </p:txEl>
+                                          </p:spTgt>
+                                        </p:tgtEl>
+                                        <p:attrNameLst>
+                                          <p:attrName>style.color</p:attrName>
+                                        </p:attrNameLst>
+                                      </p:cBhvr>
+                                      <p:to>
+                                        <a:srgbClr val="8C8888"/>
+                                      </p:to>
+                                    </p:animClr>
+                                  </p:childTnLst>
+                                </p:cTn>
+                              </p:par>
                             </p:childTnLst>
                           </p:cTn>
                         </p:par>
@@ -4724,26 +4778,26 @@
                     </p:cTn>
                   </p:par>
                   <p:par>
-                    <p:cTn id="42" fill="hold">
+                    <p:cTn id="46" fill="hold">
                       <p:stCondLst>
                         <p:cond delay="indefinite"/>
                       </p:stCondLst>
                       <p:childTnLst>
                         <p:par>
-                          <p:cTn id="43" fill="hold">
+                          <p:cTn id="47" fill="hold">
                             <p:stCondLst>
                               <p:cond delay="0"/>
                             </p:stCondLst>
                             <p:childTnLst>
                               <p:par>
-                                <p:cTn id="44" presetID="10" presetClass="entr" presetSubtype="0" fill="hold" nodeType="clickEffect">
+                                <p:cTn id="48" presetID="10" presetClass="entr" presetSubtype="0" fill="hold" nodeType="clickEffect">
                                   <p:stCondLst>
                                     <p:cond delay="0"/>
                                   </p:stCondLst>
                                   <p:childTnLst>
                                     <p:set>
                                       <p:cBhvr>
-                                        <p:cTn id="45" dur="1" fill="hold">
+                                        <p:cTn id="49" dur="1" fill="hold">
                                           <p:stCondLst>
                                             <p:cond delay="0"/>
                                           </p:stCondLst>
@@ -4765,7 +4819,7 @@
                                     </p:set>
                                     <p:animEffect transition="in" filter="fade">
                                       <p:cBhvr>
-                                        <p:cTn id="46" dur="500"/>
+                                        <p:cTn id="50" dur="500"/>
                                         <p:tgtEl>
                                           <p:spTgt spid="9">
                                             <p:txEl>
@@ -4779,14 +4833,14 @@
                                 </p:cTn>
                               </p:par>
                               <p:par>
-                                <p:cTn id="47" presetID="10" presetClass="entr" presetSubtype="0" fill="hold" nodeType="withEffect">
+                                <p:cTn id="51" presetID="10" presetClass="entr" presetSubtype="0" fill="hold" nodeType="withEffect">
                                   <p:stCondLst>
                                     <p:cond delay="0"/>
                                   </p:stCondLst>
                                   <p:childTnLst>
                                     <p:set>
                                       <p:cBhvr>
-                                        <p:cTn id="48" dur="1" fill="hold">
+                                        <p:cTn id="52" dur="1" fill="hold">
                                           <p:stCondLst>
                                             <p:cond delay="0"/>
                                           </p:stCondLst>
@@ -4808,7 +4862,7 @@
                                     </p:set>
                                     <p:animEffect transition="in" filter="fade">
                                       <p:cBhvr>
-                                        <p:cTn id="49" dur="500"/>
+                                        <p:cTn id="53" dur="500"/>
                                         <p:tgtEl>
                                           <p:spTgt spid="9">
                                             <p:txEl>
@@ -4822,14 +4876,14 @@
                                 </p:cTn>
                               </p:par>
                               <p:par>
-                                <p:cTn id="50" presetID="10" presetClass="entr" presetSubtype="0" fill="hold" nodeType="withEffect">
+                                <p:cTn id="54" presetID="10" presetClass="entr" presetSubtype="0" fill="hold" nodeType="withEffect">
                                   <p:stCondLst>
                                     <p:cond delay="0"/>
                                   </p:stCondLst>
                                   <p:childTnLst>
                                     <p:set>
                                       <p:cBhvr>
-                                        <p:cTn id="51" dur="1" fill="hold">
+                                        <p:cTn id="55" dur="1" fill="hold">
                                           <p:stCondLst>
                                             <p:cond delay="0"/>
                                           </p:stCondLst>
@@ -4851,7 +4905,7 @@
                                     </p:set>
                                     <p:animEffect transition="in" filter="fade">
                                       <p:cBhvr>
-                                        <p:cTn id="52" dur="500"/>
+                                        <p:cTn id="56" dur="500"/>
                                         <p:tgtEl>
                                           <p:spTgt spid="9">
                                             <p:txEl>
@@ -4865,14 +4919,14 @@
                                 </p:cTn>
                               </p:par>
                               <p:par>
-                                <p:cTn id="53" presetID="10" presetClass="entr" presetSubtype="0" fill="hold" nodeType="withEffect">
+                                <p:cTn id="57" presetID="10" presetClass="entr" presetSubtype="0" fill="hold" nodeType="withEffect">
                                   <p:stCondLst>
                                     <p:cond delay="0"/>
                                   </p:stCondLst>
                                   <p:childTnLst>
                                     <p:set>
                                       <p:cBhvr>
-                                        <p:cTn id="54" dur="1" fill="hold">
+                                        <p:cTn id="58" dur="1" fill="hold">
                                           <p:stCondLst>
                                             <p:cond delay="0"/>
                                           </p:stCondLst>
@@ -4894,7 +4948,7 @@
                                     </p:set>
                                     <p:animEffect transition="in" filter="fade">
                                       <p:cBhvr>
-                                        <p:cTn id="55" dur="500"/>
+                                        <p:cTn id="59" dur="500"/>
                                         <p:tgtEl>
                                           <p:spTgt spid="9">
                                             <p:txEl>
@@ -4904,6 +4958,87 @@
                                         </p:tgtEl>
                                       </p:cBhvr>
                                     </p:animEffect>
+                                  </p:childTnLst>
+                                </p:cTn>
+                              </p:par>
+                              <p:par>
+                                <p:cTn id="60" presetID="3" presetClass="emph" presetSubtype="2" fill="hold" nodeType="withEffect">
+                                  <p:stCondLst>
+                                    <p:cond delay="0"/>
+                                  </p:stCondLst>
+                                  <p:childTnLst>
+                                    <p:animClr clrSpc="rgb" dir="cw">
+                                      <p:cBhvr override="childStyle">
+                                        <p:cTn id="61" dur="2000" fill="hold"/>
+                                        <p:tgtEl>
+                                          <p:spTgt spid="9">
+                                            <p:txEl>
+                                              <p:pRg st="3" end="3"/>
+                                            </p:txEl>
+                                          </p:spTgt>
+                                        </p:tgtEl>
+                                        <p:attrNameLst>
+                                          <p:attrName>style.color</p:attrName>
+                                        </p:attrNameLst>
+                                      </p:cBhvr>
+                                      <p:to>
+                                        <a:srgbClr val="8C8888"/>
+                                      </p:to>
+                                    </p:animClr>
+                                  </p:childTnLst>
+                                </p:cTn>
+                              </p:par>
+                              <p:par>
+                                <p:cTn id="62" presetID="3" presetClass="emph" presetSubtype="2" fill="hold" nodeType="withEffect">
+                                  <p:stCondLst>
+                                    <p:cond delay="0"/>
+                                  </p:stCondLst>
+                                  <p:childTnLst>
+                                    <p:animClr clrSpc="rgb" dir="cw">
+                                      <p:cBhvr override="childStyle">
+                                        <p:cTn id="63" dur="2000" fill="hold"/>
+                                        <p:tgtEl>
+                                          <p:spTgt spid="9">
+                                            <p:txEl>
+                                              <p:pRg st="4" end="4"/>
+                                            </p:txEl>
+                                          </p:spTgt>
+                                        </p:tgtEl>
+                                        <p:attrNameLst>
+                                          <p:attrName>style.color</p:attrName>
+                                        </p:attrNameLst>
+                                      </p:cBhvr>
+                                      <p:to>
+                                        <a:srgbClr val="8C8888"/>
+                                      </p:to>
+                                    </p:animClr>
+                                  </p:childTnLst>
+                                </p:cTn>
+                              </p:par>
+                              <p:par>
+                                <p:cTn id="64" presetID="3" presetClass="emph" presetSubtype="2" fill="hold" nodeType="withEffect">
+                                  <p:stCondLst>
+                                    <p:cond delay="0"/>
+                                  </p:stCondLst>
+                                  <p:childTnLst>
+                                    <p:animClr clrSpc="rgb" dir="cw">
+                                      <p:cBhvr override="childStyle">
+                                        <p:cTn id="65" dur="2000" fill="hold"/>
+                                        <p:tgtEl>
+                                          <p:spTgt spid="9">
+                                            <p:txEl>
+                                              <p:pRg st="5" end="5"/>
+                                            </p:txEl>
+                                          </p:spTgt>
+                                        </p:tgtEl>
+                                        <p:attrNameLst>
+                                          <p:attrName>style.color</p:attrName>
+                                        </p:attrNameLst>
+                                      </p:cBhvr>
+                                      <p:to>
+                                        <a:srgbClr val="8C8888"/>
+                                      </p:to>
+                                    </p:animClr>
                                   </p:childTnLst>
                                 </p:cTn>
                               </p:par>
@@ -5784,7 +5919,6 @@
               <a:rPr lang="en-CA" dirty="0"/>
               <a:t>Some Important Caveats</a:t>
             </a:r>
-            <a:endParaRPr lang="en-CA" dirty="0"/>
           </a:p>
         </p:txBody>
       </p:sp>
